--- a/PPTTest/PPT学习笔记.pptx
+++ b/PPTTest/PPT学习笔记.pptx
@@ -223,7 +223,7 @@
           <a:p>
             <a:fld id="{5B232481-6735-40D2-B71B-9205B471C1CB}" type="datetimeFigureOut">
               <a:rPr lang="zh-CN" altLang="en-US" smtClean="0"/>
-              <a:t>2021/1/28</a:t>
+              <a:t>2021/2/3</a:t>
             </a:fld>
             <a:endParaRPr lang="zh-CN" altLang="en-US"/>
           </a:p>
@@ -756,7 +756,7 @@
           <a:p>
             <a:fld id="{530820CF-B880-4189-942D-D702A7CBA730}" type="datetimeFigureOut">
               <a:rPr lang="zh-CN" altLang="en-US" smtClean="0"/>
-              <a:t>2021/1/28</a:t>
+              <a:t>2021/2/3</a:t>
             </a:fld>
             <a:endParaRPr lang="zh-CN" altLang="en-US"/>
           </a:p>
@@ -921,7 +921,7 @@
           <a:p>
             <a:fld id="{530820CF-B880-4189-942D-D702A7CBA730}" type="datetimeFigureOut">
               <a:rPr lang="zh-CN" altLang="en-US" smtClean="0"/>
-              <a:t>2021/1/28</a:t>
+              <a:t>2021/2/3</a:t>
             </a:fld>
             <a:endParaRPr lang="zh-CN" altLang="en-US"/>
           </a:p>
@@ -1096,7 +1096,7 @@
           <a:p>
             <a:fld id="{530820CF-B880-4189-942D-D702A7CBA730}" type="datetimeFigureOut">
               <a:rPr lang="zh-CN" altLang="en-US" smtClean="0"/>
-              <a:t>2021/1/28</a:t>
+              <a:t>2021/2/3</a:t>
             </a:fld>
             <a:endParaRPr lang="zh-CN" altLang="en-US"/>
           </a:p>
@@ -1261,7 +1261,7 @@
           <a:p>
             <a:fld id="{530820CF-B880-4189-942D-D702A7CBA730}" type="datetimeFigureOut">
               <a:rPr lang="zh-CN" altLang="en-US" smtClean="0"/>
-              <a:t>2021/1/28</a:t>
+              <a:t>2021/2/3</a:t>
             </a:fld>
             <a:endParaRPr lang="zh-CN" altLang="en-US"/>
           </a:p>
@@ -1502,7 +1502,7 @@
           <a:p>
             <a:fld id="{530820CF-B880-4189-942D-D702A7CBA730}" type="datetimeFigureOut">
               <a:rPr lang="zh-CN" altLang="en-US" smtClean="0"/>
-              <a:t>2021/1/28</a:t>
+              <a:t>2021/2/3</a:t>
             </a:fld>
             <a:endParaRPr lang="zh-CN" altLang="en-US"/>
           </a:p>
@@ -1785,7 +1785,7 @@
           <a:p>
             <a:fld id="{530820CF-B880-4189-942D-D702A7CBA730}" type="datetimeFigureOut">
               <a:rPr lang="zh-CN" altLang="en-US" smtClean="0"/>
-              <a:t>2021/1/28</a:t>
+              <a:t>2021/2/3</a:t>
             </a:fld>
             <a:endParaRPr lang="zh-CN" altLang="en-US"/>
           </a:p>
@@ -2202,7 +2202,7 @@
           <a:p>
             <a:fld id="{530820CF-B880-4189-942D-D702A7CBA730}" type="datetimeFigureOut">
               <a:rPr lang="zh-CN" altLang="en-US" smtClean="0"/>
-              <a:t>2021/1/28</a:t>
+              <a:t>2021/2/3</a:t>
             </a:fld>
             <a:endParaRPr lang="zh-CN" altLang="en-US"/>
           </a:p>
@@ -2315,7 +2315,7 @@
           <a:p>
             <a:fld id="{530820CF-B880-4189-942D-D702A7CBA730}" type="datetimeFigureOut">
               <a:rPr lang="zh-CN" altLang="en-US" smtClean="0"/>
-              <a:t>2021/1/28</a:t>
+              <a:t>2021/2/3</a:t>
             </a:fld>
             <a:endParaRPr lang="zh-CN" altLang="en-US"/>
           </a:p>
@@ -2405,7 +2405,7 @@
           <a:p>
             <a:fld id="{530820CF-B880-4189-942D-D702A7CBA730}" type="datetimeFigureOut">
               <a:rPr lang="zh-CN" altLang="en-US" smtClean="0"/>
-              <a:t>2021/1/28</a:t>
+              <a:t>2021/2/3</a:t>
             </a:fld>
             <a:endParaRPr lang="zh-CN" altLang="en-US"/>
           </a:p>
@@ -2677,7 +2677,7 @@
           <a:p>
             <a:fld id="{530820CF-B880-4189-942D-D702A7CBA730}" type="datetimeFigureOut">
               <a:rPr lang="zh-CN" altLang="en-US" smtClean="0"/>
-              <a:t>2021/1/28</a:t>
+              <a:t>2021/2/3</a:t>
             </a:fld>
             <a:endParaRPr lang="zh-CN" altLang="en-US"/>
           </a:p>
@@ -2925,7 +2925,7 @@
           <a:p>
             <a:fld id="{530820CF-B880-4189-942D-D702A7CBA730}" type="datetimeFigureOut">
               <a:rPr lang="zh-CN" altLang="en-US" smtClean="0"/>
-              <a:t>2021/1/28</a:t>
+              <a:t>2021/2/3</a:t>
             </a:fld>
             <a:endParaRPr lang="zh-CN" altLang="en-US"/>
           </a:p>
@@ -3133,7 +3133,7 @@
           <a:p>
             <a:fld id="{530820CF-B880-4189-942D-D702A7CBA730}" type="datetimeFigureOut">
               <a:rPr lang="zh-CN" altLang="en-US" smtClean="0"/>
-              <a:t>2021/1/28</a:t>
+              <a:t>2021/2/3</a:t>
             </a:fld>
             <a:endParaRPr lang="zh-CN" altLang="en-US"/>
           </a:p>
@@ -10918,6 +10918,1047 @@
           <a:chExt cx="0" cy="0"/>
         </a:xfrm>
       </p:grpSpPr>
+      <p:grpSp>
+        <p:nvGrpSpPr>
+          <p:cNvPr id="6" name="组合 5"/>
+          <p:cNvGrpSpPr/>
+          <p:nvPr/>
+        </p:nvGrpSpPr>
+        <p:grpSpPr>
+          <a:xfrm>
+            <a:off x="2387102" y="2313352"/>
+            <a:ext cx="1296144" cy="1296144"/>
+            <a:chOff x="989965" y="1741458"/>
+            <a:chExt cx="1296144" cy="1296144"/>
+          </a:xfrm>
+        </p:grpSpPr>
+        <p:sp>
+          <p:nvSpPr>
+            <p:cNvPr id="3" name="文本框 2"/>
+            <p:cNvSpPr txBox="1"/>
+            <p:nvPr/>
+          </p:nvSpPr>
+          <p:spPr>
+            <a:xfrm>
+              <a:off x="1199456" y="2204864"/>
+              <a:ext cx="877163" cy="369332"/>
+            </a:xfrm>
+            <a:prstGeom prst="rect">
+              <a:avLst/>
+            </a:prstGeom>
+            <a:noFill/>
+          </p:spPr>
+          <p:txBody>
+            <a:bodyPr wrap="none" rtlCol="0">
+              <a:spAutoFit/>
+            </a:bodyPr>
+            <a:lstStyle/>
+            <a:p>
+              <a:r>
+                <a:rPr lang="zh-CN" altLang="en-US" dirty="0" smtClean="0"/>
+                <a:t>呼吸感</a:t>
+              </a:r>
+              <a:endParaRPr lang="zh-CN" altLang="en-US" dirty="0"/>
+            </a:p>
+          </p:txBody>
+        </p:sp>
+        <p:sp>
+          <p:nvSpPr>
+            <p:cNvPr id="4" name="椭圆 3"/>
+            <p:cNvSpPr/>
+            <p:nvPr/>
+          </p:nvSpPr>
+          <p:spPr>
+            <a:xfrm>
+              <a:off x="989965" y="1741458"/>
+              <a:ext cx="1296144" cy="1296144"/>
+            </a:xfrm>
+            <a:prstGeom prst="ellipse">
+              <a:avLst/>
+            </a:prstGeom>
+            <a:noFill/>
+            <a:ln>
+              <a:solidFill>
+                <a:schemeClr val="tx2">
+                  <a:lumMod val="50000"/>
+                </a:schemeClr>
+              </a:solidFill>
+            </a:ln>
+          </p:spPr>
+          <p:style>
+            <a:lnRef idx="2">
+              <a:schemeClr val="accent1">
+                <a:shade val="50000"/>
+              </a:schemeClr>
+            </a:lnRef>
+            <a:fillRef idx="1">
+              <a:schemeClr val="accent1"/>
+            </a:fillRef>
+            <a:effectRef idx="0">
+              <a:schemeClr val="accent1"/>
+            </a:effectRef>
+            <a:fontRef idx="minor">
+              <a:schemeClr val="lt1"/>
+            </a:fontRef>
+          </p:style>
+          <p:txBody>
+            <a:bodyPr rtlCol="0" anchor="ctr"/>
+            <a:lstStyle/>
+            <a:p>
+              <a:pPr algn="ctr"/>
+              <a:endParaRPr lang="zh-CN" altLang="en-US"/>
+            </a:p>
+          </p:txBody>
+        </p:sp>
+      </p:grpSp>
+      <p:grpSp>
+        <p:nvGrpSpPr>
+          <p:cNvPr id="10" name="组合 9"/>
+          <p:cNvGrpSpPr/>
+          <p:nvPr/>
+        </p:nvGrpSpPr>
+        <p:grpSpPr>
+          <a:xfrm>
+            <a:off x="335360" y="4395482"/>
+            <a:ext cx="1385106" cy="1296144"/>
+            <a:chOff x="1091444" y="3789040"/>
+            <a:chExt cx="1385106" cy="1296144"/>
+          </a:xfrm>
+        </p:grpSpPr>
+        <p:sp>
+          <p:nvSpPr>
+            <p:cNvPr id="8" name="文本框 7"/>
+            <p:cNvSpPr txBox="1"/>
+            <p:nvPr/>
+          </p:nvSpPr>
+          <p:spPr>
+            <a:xfrm>
+              <a:off x="1194942" y="4252446"/>
+              <a:ext cx="1281608" cy="369332"/>
+            </a:xfrm>
+            <a:prstGeom prst="rect">
+              <a:avLst/>
+            </a:prstGeom>
+            <a:noFill/>
+          </p:spPr>
+          <p:txBody>
+            <a:bodyPr wrap="square" rtlCol="0">
+              <a:spAutoFit/>
+            </a:bodyPr>
+            <a:lstStyle/>
+            <a:p>
+              <a:r>
+                <a:rPr lang="zh-CN" altLang="en-US" dirty="0"/>
+                <a:t>笔</a:t>
+              </a:r>
+              <a:r>
+                <a:rPr lang="zh-CN" altLang="en-US" dirty="0" smtClean="0"/>
+                <a:t>刷特效</a:t>
+              </a:r>
+              <a:endParaRPr lang="zh-CN" altLang="en-US" dirty="0"/>
+            </a:p>
+          </p:txBody>
+        </p:sp>
+        <p:sp>
+          <p:nvSpPr>
+            <p:cNvPr id="9" name="椭圆 8"/>
+            <p:cNvSpPr/>
+            <p:nvPr/>
+          </p:nvSpPr>
+          <p:spPr>
+            <a:xfrm>
+              <a:off x="1091444" y="3789040"/>
+              <a:ext cx="1296144" cy="1296144"/>
+            </a:xfrm>
+            <a:prstGeom prst="ellipse">
+              <a:avLst/>
+            </a:prstGeom>
+            <a:noFill/>
+            <a:ln>
+              <a:solidFill>
+                <a:schemeClr val="tx2">
+                  <a:lumMod val="50000"/>
+                </a:schemeClr>
+              </a:solidFill>
+            </a:ln>
+          </p:spPr>
+          <p:style>
+            <a:lnRef idx="2">
+              <a:schemeClr val="accent1">
+                <a:shade val="50000"/>
+              </a:schemeClr>
+            </a:lnRef>
+            <a:fillRef idx="1">
+              <a:schemeClr val="accent1"/>
+            </a:fillRef>
+            <a:effectRef idx="0">
+              <a:schemeClr val="accent1"/>
+            </a:effectRef>
+            <a:fontRef idx="minor">
+              <a:schemeClr val="lt1"/>
+            </a:fontRef>
+          </p:style>
+          <p:txBody>
+            <a:bodyPr rtlCol="0" anchor="ctr"/>
+            <a:lstStyle/>
+            <a:p>
+              <a:pPr algn="ctr"/>
+              <a:endParaRPr lang="zh-CN" altLang="en-US"/>
+            </a:p>
+          </p:txBody>
+        </p:sp>
+      </p:grpSp>
+      <p:sp>
+        <p:nvSpPr>
+          <p:cNvPr id="11" name="椭圆 10"/>
+          <p:cNvSpPr/>
+          <p:nvPr/>
+        </p:nvSpPr>
+        <p:spPr>
+          <a:xfrm>
+            <a:off x="7320136" y="-459432"/>
+            <a:ext cx="7848872" cy="7848872"/>
+          </a:xfrm>
+          <a:prstGeom prst="ellipse">
+            <a:avLst/>
+          </a:prstGeom>
+          <a:gradFill flip="none" rotWithShape="1">
+            <a:gsLst>
+              <a:gs pos="0">
+                <a:schemeClr val="accent1">
+                  <a:tint val="66000"/>
+                  <a:satMod val="160000"/>
+                </a:schemeClr>
+              </a:gs>
+              <a:gs pos="50000">
+                <a:schemeClr val="accent1">
+                  <a:tint val="44500"/>
+                  <a:satMod val="160000"/>
+                </a:schemeClr>
+              </a:gs>
+              <a:gs pos="100000">
+                <a:schemeClr val="accent1">
+                  <a:tint val="23500"/>
+                  <a:satMod val="160000"/>
+                </a:schemeClr>
+              </a:gs>
+            </a:gsLst>
+            <a:path path="circle">
+              <a:fillToRect l="50000" t="50000" r="50000" b="50000"/>
+            </a:path>
+            <a:tileRect/>
+          </a:gradFill>
+          <a:ln w="76200">
+            <a:solidFill>
+              <a:srgbClr val="0070C0"/>
+            </a:solidFill>
+          </a:ln>
+        </p:spPr>
+        <p:style>
+          <a:lnRef idx="2">
+            <a:schemeClr val="accent1">
+              <a:shade val="50000"/>
+            </a:schemeClr>
+          </a:lnRef>
+          <a:fillRef idx="1">
+            <a:schemeClr val="accent1"/>
+          </a:fillRef>
+          <a:effectRef idx="0">
+            <a:schemeClr val="accent1"/>
+          </a:effectRef>
+          <a:fontRef idx="minor">
+            <a:schemeClr val="lt1"/>
+          </a:fontRef>
+        </p:style>
+        <p:txBody>
+          <a:bodyPr rtlCol="0" anchor="ctr"/>
+          <a:lstStyle/>
+          <a:p>
+            <a:pPr algn="ctr"/>
+            <a:endParaRPr lang="zh-CN" altLang="en-US"/>
+          </a:p>
+        </p:txBody>
+      </p:sp>
+      <p:sp>
+        <p:nvSpPr>
+          <p:cNvPr id="12" name="任意多边形 11"/>
+          <p:cNvSpPr/>
+          <p:nvPr/>
+        </p:nvSpPr>
+        <p:spPr>
+          <a:xfrm>
+            <a:off x="1221574" y="1567036"/>
+            <a:ext cx="6591935" cy="4742284"/>
+          </a:xfrm>
+          <a:custGeom>
+            <a:avLst/>
+            <a:gdLst>
+              <a:gd name="connsiteX0" fmla="*/ 0 w 4305300"/>
+              <a:gd name="connsiteY0" fmla="*/ 3467100 h 3467100"/>
+              <a:gd name="connsiteX1" fmla="*/ 19050 w 4305300"/>
+              <a:gd name="connsiteY1" fmla="*/ 3352800 h 3467100"/>
+              <a:gd name="connsiteX2" fmla="*/ 57150 w 4305300"/>
+              <a:gd name="connsiteY2" fmla="*/ 3276600 h 3467100"/>
+              <a:gd name="connsiteX3" fmla="*/ 76200 w 4305300"/>
+              <a:gd name="connsiteY3" fmla="*/ 3219450 h 3467100"/>
+              <a:gd name="connsiteX4" fmla="*/ 190500 w 4305300"/>
+              <a:gd name="connsiteY4" fmla="*/ 3028950 h 3467100"/>
+              <a:gd name="connsiteX5" fmla="*/ 342900 w 4305300"/>
+              <a:gd name="connsiteY5" fmla="*/ 2895600 h 3467100"/>
+              <a:gd name="connsiteX6" fmla="*/ 628650 w 4305300"/>
+              <a:gd name="connsiteY6" fmla="*/ 2876550 h 3467100"/>
+              <a:gd name="connsiteX7" fmla="*/ 800100 w 4305300"/>
+              <a:gd name="connsiteY7" fmla="*/ 2743200 h 3467100"/>
+              <a:gd name="connsiteX8" fmla="*/ 819150 w 4305300"/>
+              <a:gd name="connsiteY8" fmla="*/ 2476500 h 3467100"/>
+              <a:gd name="connsiteX9" fmla="*/ 742950 w 4305300"/>
+              <a:gd name="connsiteY9" fmla="*/ 2419350 h 3467100"/>
+              <a:gd name="connsiteX10" fmla="*/ 685800 w 4305300"/>
+              <a:gd name="connsiteY10" fmla="*/ 2400300 h 3467100"/>
+              <a:gd name="connsiteX11" fmla="*/ 571500 w 4305300"/>
+              <a:gd name="connsiteY11" fmla="*/ 2343150 h 3467100"/>
+              <a:gd name="connsiteX12" fmla="*/ 533400 w 4305300"/>
+              <a:gd name="connsiteY12" fmla="*/ 2286000 h 3467100"/>
+              <a:gd name="connsiteX13" fmla="*/ 590550 w 4305300"/>
+              <a:gd name="connsiteY13" fmla="*/ 2247900 h 3467100"/>
+              <a:gd name="connsiteX14" fmla="*/ 609600 w 4305300"/>
+              <a:gd name="connsiteY14" fmla="*/ 2190750 h 3467100"/>
+              <a:gd name="connsiteX15" fmla="*/ 704850 w 4305300"/>
+              <a:gd name="connsiteY15" fmla="*/ 2076450 h 3467100"/>
+              <a:gd name="connsiteX16" fmla="*/ 819150 w 4305300"/>
+              <a:gd name="connsiteY16" fmla="*/ 2000250 h 3467100"/>
+              <a:gd name="connsiteX17" fmla="*/ 914400 w 4305300"/>
+              <a:gd name="connsiteY17" fmla="*/ 1885950 h 3467100"/>
+              <a:gd name="connsiteX18" fmla="*/ 971550 w 4305300"/>
+              <a:gd name="connsiteY18" fmla="*/ 1866900 h 3467100"/>
+              <a:gd name="connsiteX19" fmla="*/ 1143000 w 4305300"/>
+              <a:gd name="connsiteY19" fmla="*/ 1733550 h 3467100"/>
+              <a:gd name="connsiteX20" fmla="*/ 1181100 w 4305300"/>
+              <a:gd name="connsiteY20" fmla="*/ 1676400 h 3467100"/>
+              <a:gd name="connsiteX21" fmla="*/ 1238250 w 4305300"/>
+              <a:gd name="connsiteY21" fmla="*/ 1657350 h 3467100"/>
+              <a:gd name="connsiteX22" fmla="*/ 1295400 w 4305300"/>
+              <a:gd name="connsiteY22" fmla="*/ 1619250 h 3467100"/>
+              <a:gd name="connsiteX23" fmla="*/ 1638300 w 4305300"/>
+              <a:gd name="connsiteY23" fmla="*/ 1619250 h 3467100"/>
+              <a:gd name="connsiteX24" fmla="*/ 1771650 w 4305300"/>
+              <a:gd name="connsiteY24" fmla="*/ 1447800 h 3467100"/>
+              <a:gd name="connsiteX25" fmla="*/ 1809750 w 4305300"/>
+              <a:gd name="connsiteY25" fmla="*/ 1333500 h 3467100"/>
+              <a:gd name="connsiteX26" fmla="*/ 1828800 w 4305300"/>
+              <a:gd name="connsiteY26" fmla="*/ 1085850 h 3467100"/>
+              <a:gd name="connsiteX27" fmla="*/ 1885950 w 4305300"/>
+              <a:gd name="connsiteY27" fmla="*/ 1047750 h 3467100"/>
+              <a:gd name="connsiteX28" fmla="*/ 1943100 w 4305300"/>
+              <a:gd name="connsiteY28" fmla="*/ 990600 h 3467100"/>
+              <a:gd name="connsiteX29" fmla="*/ 2000250 w 4305300"/>
+              <a:gd name="connsiteY29" fmla="*/ 971550 h 3467100"/>
+              <a:gd name="connsiteX30" fmla="*/ 2057400 w 4305300"/>
+              <a:gd name="connsiteY30" fmla="*/ 933450 h 3467100"/>
+              <a:gd name="connsiteX31" fmla="*/ 2152650 w 4305300"/>
+              <a:gd name="connsiteY31" fmla="*/ 952500 h 3467100"/>
+              <a:gd name="connsiteX32" fmla="*/ 2286000 w 4305300"/>
+              <a:gd name="connsiteY32" fmla="*/ 1047750 h 3467100"/>
+              <a:gd name="connsiteX33" fmla="*/ 2362200 w 4305300"/>
+              <a:gd name="connsiteY33" fmla="*/ 1066800 h 3467100"/>
+              <a:gd name="connsiteX34" fmla="*/ 2495550 w 4305300"/>
+              <a:gd name="connsiteY34" fmla="*/ 1104900 h 3467100"/>
+              <a:gd name="connsiteX35" fmla="*/ 2857500 w 4305300"/>
+              <a:gd name="connsiteY35" fmla="*/ 1066800 h 3467100"/>
+              <a:gd name="connsiteX36" fmla="*/ 2914650 w 4305300"/>
+              <a:gd name="connsiteY36" fmla="*/ 1047750 h 3467100"/>
+              <a:gd name="connsiteX37" fmla="*/ 2971800 w 4305300"/>
+              <a:gd name="connsiteY37" fmla="*/ 990600 h 3467100"/>
+              <a:gd name="connsiteX38" fmla="*/ 3028950 w 4305300"/>
+              <a:gd name="connsiteY38" fmla="*/ 971550 h 3467100"/>
+              <a:gd name="connsiteX39" fmla="*/ 3086100 w 4305300"/>
+              <a:gd name="connsiteY39" fmla="*/ 933450 h 3467100"/>
+              <a:gd name="connsiteX40" fmla="*/ 3162300 w 4305300"/>
+              <a:gd name="connsiteY40" fmla="*/ 819150 h 3467100"/>
+              <a:gd name="connsiteX41" fmla="*/ 3200400 w 4305300"/>
+              <a:gd name="connsiteY41" fmla="*/ 762000 h 3467100"/>
+              <a:gd name="connsiteX42" fmla="*/ 3238500 w 4305300"/>
+              <a:gd name="connsiteY42" fmla="*/ 647700 h 3467100"/>
+              <a:gd name="connsiteX43" fmla="*/ 3219450 w 4305300"/>
+              <a:gd name="connsiteY43" fmla="*/ 400050 h 3467100"/>
+              <a:gd name="connsiteX44" fmla="*/ 3200400 w 4305300"/>
+              <a:gd name="connsiteY44" fmla="*/ 342900 h 3467100"/>
+              <a:gd name="connsiteX45" fmla="*/ 3143250 w 4305300"/>
+              <a:gd name="connsiteY45" fmla="*/ 285750 h 3467100"/>
+              <a:gd name="connsiteX46" fmla="*/ 3105150 w 4305300"/>
+              <a:gd name="connsiteY46" fmla="*/ 228600 h 3467100"/>
+              <a:gd name="connsiteX47" fmla="*/ 3086100 w 4305300"/>
+              <a:gd name="connsiteY47" fmla="*/ 152400 h 3467100"/>
+              <a:gd name="connsiteX48" fmla="*/ 3143250 w 4305300"/>
+              <a:gd name="connsiteY48" fmla="*/ 133350 h 3467100"/>
+              <a:gd name="connsiteX49" fmla="*/ 3219450 w 4305300"/>
+              <a:gd name="connsiteY49" fmla="*/ 114300 h 3467100"/>
+              <a:gd name="connsiteX50" fmla="*/ 3276600 w 4305300"/>
+              <a:gd name="connsiteY50" fmla="*/ 95250 h 3467100"/>
+              <a:gd name="connsiteX51" fmla="*/ 3886200 w 4305300"/>
+              <a:gd name="connsiteY51" fmla="*/ 76200 h 3467100"/>
+              <a:gd name="connsiteX52" fmla="*/ 4076700 w 4305300"/>
+              <a:gd name="connsiteY52" fmla="*/ 57150 h 3467100"/>
+              <a:gd name="connsiteX53" fmla="*/ 4191000 w 4305300"/>
+              <a:gd name="connsiteY53" fmla="*/ 19050 h 3467100"/>
+              <a:gd name="connsiteX54" fmla="*/ 4305300 w 4305300"/>
+              <a:gd name="connsiteY54" fmla="*/ 0 h 3467100"/>
+            </a:gdLst>
+            <a:ahLst/>
+            <a:cxnLst>
+              <a:cxn ang="0">
+                <a:pos x="connsiteX0" y="connsiteY0"/>
+              </a:cxn>
+              <a:cxn ang="0">
+                <a:pos x="connsiteX1" y="connsiteY1"/>
+              </a:cxn>
+              <a:cxn ang="0">
+                <a:pos x="connsiteX2" y="connsiteY2"/>
+              </a:cxn>
+              <a:cxn ang="0">
+                <a:pos x="connsiteX3" y="connsiteY3"/>
+              </a:cxn>
+              <a:cxn ang="0">
+                <a:pos x="connsiteX4" y="connsiteY4"/>
+              </a:cxn>
+              <a:cxn ang="0">
+                <a:pos x="connsiteX5" y="connsiteY5"/>
+              </a:cxn>
+              <a:cxn ang="0">
+                <a:pos x="connsiteX6" y="connsiteY6"/>
+              </a:cxn>
+              <a:cxn ang="0">
+                <a:pos x="connsiteX7" y="connsiteY7"/>
+              </a:cxn>
+              <a:cxn ang="0">
+                <a:pos x="connsiteX8" y="connsiteY8"/>
+              </a:cxn>
+              <a:cxn ang="0">
+                <a:pos x="connsiteX9" y="connsiteY9"/>
+              </a:cxn>
+              <a:cxn ang="0">
+                <a:pos x="connsiteX10" y="connsiteY10"/>
+              </a:cxn>
+              <a:cxn ang="0">
+                <a:pos x="connsiteX11" y="connsiteY11"/>
+              </a:cxn>
+              <a:cxn ang="0">
+                <a:pos x="connsiteX12" y="connsiteY12"/>
+              </a:cxn>
+              <a:cxn ang="0">
+                <a:pos x="connsiteX13" y="connsiteY13"/>
+              </a:cxn>
+              <a:cxn ang="0">
+                <a:pos x="connsiteX14" y="connsiteY14"/>
+              </a:cxn>
+              <a:cxn ang="0">
+                <a:pos x="connsiteX15" y="connsiteY15"/>
+              </a:cxn>
+              <a:cxn ang="0">
+                <a:pos x="connsiteX16" y="connsiteY16"/>
+              </a:cxn>
+              <a:cxn ang="0">
+                <a:pos x="connsiteX17" y="connsiteY17"/>
+              </a:cxn>
+              <a:cxn ang="0">
+                <a:pos x="connsiteX18" y="connsiteY18"/>
+              </a:cxn>
+              <a:cxn ang="0">
+                <a:pos x="connsiteX19" y="connsiteY19"/>
+              </a:cxn>
+              <a:cxn ang="0">
+                <a:pos x="connsiteX20" y="connsiteY20"/>
+              </a:cxn>
+              <a:cxn ang="0">
+                <a:pos x="connsiteX21" y="connsiteY21"/>
+              </a:cxn>
+              <a:cxn ang="0">
+                <a:pos x="connsiteX22" y="connsiteY22"/>
+              </a:cxn>
+              <a:cxn ang="0">
+                <a:pos x="connsiteX23" y="connsiteY23"/>
+              </a:cxn>
+              <a:cxn ang="0">
+                <a:pos x="connsiteX24" y="connsiteY24"/>
+              </a:cxn>
+              <a:cxn ang="0">
+                <a:pos x="connsiteX25" y="connsiteY25"/>
+              </a:cxn>
+              <a:cxn ang="0">
+                <a:pos x="connsiteX26" y="connsiteY26"/>
+              </a:cxn>
+              <a:cxn ang="0">
+                <a:pos x="connsiteX27" y="connsiteY27"/>
+              </a:cxn>
+              <a:cxn ang="0">
+                <a:pos x="connsiteX28" y="connsiteY28"/>
+              </a:cxn>
+              <a:cxn ang="0">
+                <a:pos x="connsiteX29" y="connsiteY29"/>
+              </a:cxn>
+              <a:cxn ang="0">
+                <a:pos x="connsiteX30" y="connsiteY30"/>
+              </a:cxn>
+              <a:cxn ang="0">
+                <a:pos x="connsiteX31" y="connsiteY31"/>
+              </a:cxn>
+              <a:cxn ang="0">
+                <a:pos x="connsiteX32" y="connsiteY32"/>
+              </a:cxn>
+              <a:cxn ang="0">
+                <a:pos x="connsiteX33" y="connsiteY33"/>
+              </a:cxn>
+              <a:cxn ang="0">
+                <a:pos x="connsiteX34" y="connsiteY34"/>
+              </a:cxn>
+              <a:cxn ang="0">
+                <a:pos x="connsiteX35" y="connsiteY35"/>
+              </a:cxn>
+              <a:cxn ang="0">
+                <a:pos x="connsiteX36" y="connsiteY36"/>
+              </a:cxn>
+              <a:cxn ang="0">
+                <a:pos x="connsiteX37" y="connsiteY37"/>
+              </a:cxn>
+              <a:cxn ang="0">
+                <a:pos x="connsiteX38" y="connsiteY38"/>
+              </a:cxn>
+              <a:cxn ang="0">
+                <a:pos x="connsiteX39" y="connsiteY39"/>
+              </a:cxn>
+              <a:cxn ang="0">
+                <a:pos x="connsiteX40" y="connsiteY40"/>
+              </a:cxn>
+              <a:cxn ang="0">
+                <a:pos x="connsiteX41" y="connsiteY41"/>
+              </a:cxn>
+              <a:cxn ang="0">
+                <a:pos x="connsiteX42" y="connsiteY42"/>
+              </a:cxn>
+              <a:cxn ang="0">
+                <a:pos x="connsiteX43" y="connsiteY43"/>
+              </a:cxn>
+              <a:cxn ang="0">
+                <a:pos x="connsiteX44" y="connsiteY44"/>
+              </a:cxn>
+              <a:cxn ang="0">
+                <a:pos x="connsiteX45" y="connsiteY45"/>
+              </a:cxn>
+              <a:cxn ang="0">
+                <a:pos x="connsiteX46" y="connsiteY46"/>
+              </a:cxn>
+              <a:cxn ang="0">
+                <a:pos x="connsiteX47" y="connsiteY47"/>
+              </a:cxn>
+              <a:cxn ang="0">
+                <a:pos x="connsiteX48" y="connsiteY48"/>
+              </a:cxn>
+              <a:cxn ang="0">
+                <a:pos x="connsiteX49" y="connsiteY49"/>
+              </a:cxn>
+              <a:cxn ang="0">
+                <a:pos x="connsiteX50" y="connsiteY50"/>
+              </a:cxn>
+              <a:cxn ang="0">
+                <a:pos x="connsiteX51" y="connsiteY51"/>
+              </a:cxn>
+              <a:cxn ang="0">
+                <a:pos x="connsiteX52" y="connsiteY52"/>
+              </a:cxn>
+              <a:cxn ang="0">
+                <a:pos x="connsiteX53" y="connsiteY53"/>
+              </a:cxn>
+              <a:cxn ang="0">
+                <a:pos x="connsiteX54" y="connsiteY54"/>
+              </a:cxn>
+            </a:cxnLst>
+            <a:rect l="l" t="t" r="r" b="b"/>
+            <a:pathLst>
+              <a:path w="4305300" h="3467100">
+                <a:moveTo>
+                  <a:pt x="0" y="3467100"/>
+                </a:moveTo>
+                <a:cubicBezTo>
+                  <a:pt x="6350" y="3429000"/>
+                  <a:pt x="7951" y="3389797"/>
+                  <a:pt x="19050" y="3352800"/>
+                </a:cubicBezTo>
+                <a:cubicBezTo>
+                  <a:pt x="27210" y="3325600"/>
+                  <a:pt x="45963" y="3302702"/>
+                  <a:pt x="57150" y="3276600"/>
+                </a:cubicBezTo>
+                <a:cubicBezTo>
+                  <a:pt x="65060" y="3258143"/>
+                  <a:pt x="68290" y="3237907"/>
+                  <a:pt x="76200" y="3219450"/>
+                </a:cubicBezTo>
+                <a:cubicBezTo>
+                  <a:pt x="111347" y="3137441"/>
+                  <a:pt x="136329" y="3110206"/>
+                  <a:pt x="190500" y="3028950"/>
+                </a:cubicBezTo>
+                <a:cubicBezTo>
+                  <a:pt x="226090" y="2975566"/>
+                  <a:pt x="265371" y="2900769"/>
+                  <a:pt x="342900" y="2895600"/>
+                </a:cubicBezTo>
+                <a:lnTo>
+                  <a:pt x="628650" y="2876550"/>
+                </a:lnTo>
+                <a:cubicBezTo>
+                  <a:pt x="765366" y="2785406"/>
+                  <a:pt x="710571" y="2832729"/>
+                  <a:pt x="800100" y="2743200"/>
+                </a:cubicBezTo>
+                <a:cubicBezTo>
+                  <a:pt x="833362" y="2643413"/>
+                  <a:pt x="869986" y="2588338"/>
+                  <a:pt x="819150" y="2476500"/>
+                </a:cubicBezTo>
+                <a:cubicBezTo>
+                  <a:pt x="806012" y="2447596"/>
+                  <a:pt x="770517" y="2435102"/>
+                  <a:pt x="742950" y="2419350"/>
+                </a:cubicBezTo>
+                <a:cubicBezTo>
+                  <a:pt x="725515" y="2409387"/>
+                  <a:pt x="703761" y="2409280"/>
+                  <a:pt x="685800" y="2400300"/>
+                </a:cubicBezTo>
+                <a:cubicBezTo>
+                  <a:pt x="538084" y="2326442"/>
+                  <a:pt x="715148" y="2391033"/>
+                  <a:pt x="571500" y="2343150"/>
+                </a:cubicBezTo>
+                <a:cubicBezTo>
+                  <a:pt x="558800" y="2324100"/>
+                  <a:pt x="528910" y="2308451"/>
+                  <a:pt x="533400" y="2286000"/>
+                </a:cubicBezTo>
+                <a:cubicBezTo>
+                  <a:pt x="537890" y="2263549"/>
+                  <a:pt x="576247" y="2265778"/>
+                  <a:pt x="590550" y="2247900"/>
+                </a:cubicBezTo>
+                <a:cubicBezTo>
+                  <a:pt x="603094" y="2232220"/>
+                  <a:pt x="600620" y="2208711"/>
+                  <a:pt x="609600" y="2190750"/>
+                </a:cubicBezTo>
+                <a:cubicBezTo>
+                  <a:pt x="629612" y="2150726"/>
+                  <a:pt x="670379" y="2103261"/>
+                  <a:pt x="704850" y="2076450"/>
+                </a:cubicBezTo>
+                <a:cubicBezTo>
+                  <a:pt x="740995" y="2048337"/>
+                  <a:pt x="819150" y="2000250"/>
+                  <a:pt x="819150" y="2000250"/>
+                </a:cubicBezTo>
+                <a:cubicBezTo>
+                  <a:pt x="847263" y="1958080"/>
+                  <a:pt x="870396" y="1915286"/>
+                  <a:pt x="914400" y="1885950"/>
+                </a:cubicBezTo>
+                <a:cubicBezTo>
+                  <a:pt x="931108" y="1874811"/>
+                  <a:pt x="952500" y="1873250"/>
+                  <a:pt x="971550" y="1866900"/>
+                </a:cubicBezTo>
+                <a:cubicBezTo>
+                  <a:pt x="1100049" y="1738401"/>
+                  <a:pt x="1034733" y="1769639"/>
+                  <a:pt x="1143000" y="1733550"/>
+                </a:cubicBezTo>
+                <a:cubicBezTo>
+                  <a:pt x="1155700" y="1714500"/>
+                  <a:pt x="1163222" y="1690703"/>
+                  <a:pt x="1181100" y="1676400"/>
+                </a:cubicBezTo>
+                <a:cubicBezTo>
+                  <a:pt x="1196780" y="1663856"/>
+                  <a:pt x="1220289" y="1666330"/>
+                  <a:pt x="1238250" y="1657350"/>
+                </a:cubicBezTo>
+                <a:cubicBezTo>
+                  <a:pt x="1258728" y="1647111"/>
+                  <a:pt x="1276350" y="1631950"/>
+                  <a:pt x="1295400" y="1619250"/>
+                </a:cubicBezTo>
+                <a:cubicBezTo>
+                  <a:pt x="1428042" y="1641357"/>
+                  <a:pt x="1484208" y="1660341"/>
+                  <a:pt x="1638300" y="1619250"/>
+                </a:cubicBezTo>
+                <a:cubicBezTo>
+                  <a:pt x="1674381" y="1609628"/>
+                  <a:pt x="1771350" y="1448700"/>
+                  <a:pt x="1771650" y="1447800"/>
+                </a:cubicBezTo>
+                <a:lnTo>
+                  <a:pt x="1809750" y="1333500"/>
+                </a:lnTo>
+                <a:cubicBezTo>
+                  <a:pt x="1816100" y="1250950"/>
+                  <a:pt x="1807467" y="1165848"/>
+                  <a:pt x="1828800" y="1085850"/>
+                </a:cubicBezTo>
+                <a:cubicBezTo>
+                  <a:pt x="1834699" y="1063728"/>
+                  <a:pt x="1868361" y="1062407"/>
+                  <a:pt x="1885950" y="1047750"/>
+                </a:cubicBezTo>
+                <a:cubicBezTo>
+                  <a:pt x="1906646" y="1030503"/>
+                  <a:pt x="1920684" y="1005544"/>
+                  <a:pt x="1943100" y="990600"/>
+                </a:cubicBezTo>
+                <a:cubicBezTo>
+                  <a:pt x="1959808" y="979461"/>
+                  <a:pt x="1982289" y="980530"/>
+                  <a:pt x="2000250" y="971550"/>
+                </a:cubicBezTo>
+                <a:cubicBezTo>
+                  <a:pt x="2020728" y="961311"/>
+                  <a:pt x="2038350" y="946150"/>
+                  <a:pt x="2057400" y="933450"/>
+                </a:cubicBezTo>
+                <a:cubicBezTo>
+                  <a:pt x="2089150" y="939800"/>
+                  <a:pt x="2123062" y="939350"/>
+                  <a:pt x="2152650" y="952500"/>
+                </a:cubicBezTo>
+                <a:cubicBezTo>
+                  <a:pt x="2328292" y="1030563"/>
+                  <a:pt x="2143932" y="986864"/>
+                  <a:pt x="2286000" y="1047750"/>
+                </a:cubicBezTo>
+                <a:cubicBezTo>
+                  <a:pt x="2310065" y="1058063"/>
+                  <a:pt x="2337026" y="1059607"/>
+                  <a:pt x="2362200" y="1066800"/>
+                </a:cubicBezTo>
+                <a:cubicBezTo>
+                  <a:pt x="2553506" y="1121459"/>
+                  <a:pt x="2257336" y="1045347"/>
+                  <a:pt x="2495550" y="1104900"/>
+                </a:cubicBezTo>
+                <a:cubicBezTo>
+                  <a:pt x="2621102" y="1095242"/>
+                  <a:pt x="2736461" y="1093697"/>
+                  <a:pt x="2857500" y="1066800"/>
+                </a:cubicBezTo>
+                <a:cubicBezTo>
+                  <a:pt x="2877102" y="1062444"/>
+                  <a:pt x="2895600" y="1054100"/>
+                  <a:pt x="2914650" y="1047750"/>
+                </a:cubicBezTo>
+                <a:cubicBezTo>
+                  <a:pt x="2933700" y="1028700"/>
+                  <a:pt x="2949384" y="1005544"/>
+                  <a:pt x="2971800" y="990600"/>
+                </a:cubicBezTo>
+                <a:cubicBezTo>
+                  <a:pt x="2988508" y="979461"/>
+                  <a:pt x="3010989" y="980530"/>
+                  <a:pt x="3028950" y="971550"/>
+                </a:cubicBezTo>
+                <a:cubicBezTo>
+                  <a:pt x="3049428" y="961311"/>
+                  <a:pt x="3067050" y="946150"/>
+                  <a:pt x="3086100" y="933450"/>
+                </a:cubicBezTo>
+                <a:lnTo>
+                  <a:pt x="3162300" y="819150"/>
+                </a:lnTo>
+                <a:cubicBezTo>
+                  <a:pt x="3175000" y="800100"/>
+                  <a:pt x="3193160" y="783720"/>
+                  <a:pt x="3200400" y="762000"/>
+                </a:cubicBezTo>
+                <a:lnTo>
+                  <a:pt x="3238500" y="647700"/>
+                </a:lnTo>
+                <a:cubicBezTo>
+                  <a:pt x="3232150" y="565150"/>
+                  <a:pt x="3229719" y="482205"/>
+                  <a:pt x="3219450" y="400050"/>
+                </a:cubicBezTo>
+                <a:cubicBezTo>
+                  <a:pt x="3216959" y="380125"/>
+                  <a:pt x="3211539" y="359608"/>
+                  <a:pt x="3200400" y="342900"/>
+                </a:cubicBezTo>
+                <a:cubicBezTo>
+                  <a:pt x="3185456" y="320484"/>
+                  <a:pt x="3160497" y="306446"/>
+                  <a:pt x="3143250" y="285750"/>
+                </a:cubicBezTo>
+                <a:cubicBezTo>
+                  <a:pt x="3128593" y="268161"/>
+                  <a:pt x="3117850" y="247650"/>
+                  <a:pt x="3105150" y="228600"/>
+                </a:cubicBezTo>
+                <a:cubicBezTo>
+                  <a:pt x="3098800" y="203200"/>
+                  <a:pt x="3076376" y="176709"/>
+                  <a:pt x="3086100" y="152400"/>
+                </a:cubicBezTo>
+                <a:cubicBezTo>
+                  <a:pt x="3093558" y="133756"/>
+                  <a:pt x="3123942" y="138867"/>
+                  <a:pt x="3143250" y="133350"/>
+                </a:cubicBezTo>
+                <a:cubicBezTo>
+                  <a:pt x="3168424" y="126157"/>
+                  <a:pt x="3194276" y="121493"/>
+                  <a:pt x="3219450" y="114300"/>
+                </a:cubicBezTo>
+                <a:cubicBezTo>
+                  <a:pt x="3238758" y="108783"/>
+                  <a:pt x="3256552" y="96396"/>
+                  <a:pt x="3276600" y="95250"/>
+                </a:cubicBezTo>
+                <a:cubicBezTo>
+                  <a:pt x="3479568" y="83652"/>
+                  <a:pt x="3683000" y="82550"/>
+                  <a:pt x="3886200" y="76200"/>
+                </a:cubicBezTo>
+                <a:cubicBezTo>
+                  <a:pt x="3949700" y="69850"/>
+                  <a:pt x="4013976" y="68911"/>
+                  <a:pt x="4076700" y="57150"/>
+                </a:cubicBezTo>
+                <a:cubicBezTo>
+                  <a:pt x="4116173" y="49749"/>
+                  <a:pt x="4151386" y="25652"/>
+                  <a:pt x="4191000" y="19050"/>
+                </a:cubicBezTo>
+                <a:lnTo>
+                  <a:pt x="4305300" y="0"/>
+                </a:lnTo>
+              </a:path>
+            </a:pathLst>
+          </a:custGeom>
+          <a:noFill/>
+          <a:ln w="38100">
+            <a:solidFill>
+              <a:schemeClr val="tx1"/>
+            </a:solidFill>
+          </a:ln>
+        </p:spPr>
+        <p:style>
+          <a:lnRef idx="2">
+            <a:schemeClr val="accent1">
+              <a:shade val="50000"/>
+            </a:schemeClr>
+          </a:lnRef>
+          <a:fillRef idx="1">
+            <a:schemeClr val="accent1"/>
+          </a:fillRef>
+          <a:effectRef idx="0">
+            <a:schemeClr val="accent1"/>
+          </a:effectRef>
+          <a:fontRef idx="minor">
+            <a:schemeClr val="lt1"/>
+          </a:fontRef>
+        </p:style>
+        <p:txBody>
+          <a:bodyPr rtlCol="0" anchor="ctr"/>
+          <a:lstStyle/>
+          <a:p>
+            <a:pPr algn="ctr"/>
+            <a:endParaRPr lang="zh-CN" altLang="en-US"/>
+          </a:p>
+        </p:txBody>
+      </p:sp>
+      <p:grpSp>
+        <p:nvGrpSpPr>
+          <p:cNvPr id="13" name="组合 12"/>
+          <p:cNvGrpSpPr/>
+          <p:nvPr/>
+        </p:nvGrpSpPr>
+        <p:grpSpPr>
+          <a:xfrm>
+            <a:off x="4483020" y="1567036"/>
+            <a:ext cx="1296144" cy="1296144"/>
+            <a:chOff x="989965" y="1741458"/>
+            <a:chExt cx="1296144" cy="1296144"/>
+          </a:xfrm>
+        </p:grpSpPr>
+        <p:sp>
+          <p:nvSpPr>
+            <p:cNvPr id="14" name="文本框 13"/>
+            <p:cNvSpPr txBox="1"/>
+            <p:nvPr/>
+          </p:nvSpPr>
+          <p:spPr>
+            <a:xfrm>
+              <a:off x="1199456" y="2204864"/>
+              <a:ext cx="877163" cy="369332"/>
+            </a:xfrm>
+            <a:prstGeom prst="rect">
+              <a:avLst/>
+            </a:prstGeom>
+            <a:noFill/>
+          </p:spPr>
+          <p:txBody>
+            <a:bodyPr wrap="none" rtlCol="0">
+              <a:spAutoFit/>
+            </a:bodyPr>
+            <a:lstStyle/>
+            <a:p>
+              <a:r>
+                <a:rPr lang="zh-CN" altLang="en-US" dirty="0" smtClean="0"/>
+                <a:t>呼吸感</a:t>
+              </a:r>
+              <a:endParaRPr lang="zh-CN" altLang="en-US" dirty="0"/>
+            </a:p>
+          </p:txBody>
+        </p:sp>
+        <p:sp>
+          <p:nvSpPr>
+            <p:cNvPr id="15" name="椭圆 14"/>
+            <p:cNvSpPr/>
+            <p:nvPr/>
+          </p:nvSpPr>
+          <p:spPr>
+            <a:xfrm>
+              <a:off x="989965" y="1741458"/>
+              <a:ext cx="1296144" cy="1296144"/>
+            </a:xfrm>
+            <a:prstGeom prst="ellipse">
+              <a:avLst/>
+            </a:prstGeom>
+            <a:noFill/>
+            <a:ln>
+              <a:solidFill>
+                <a:schemeClr val="tx2">
+                  <a:lumMod val="50000"/>
+                </a:schemeClr>
+              </a:solidFill>
+            </a:ln>
+          </p:spPr>
+          <p:style>
+            <a:lnRef idx="2">
+              <a:schemeClr val="accent1">
+                <a:shade val="50000"/>
+              </a:schemeClr>
+            </a:lnRef>
+            <a:fillRef idx="1">
+              <a:schemeClr val="accent1"/>
+            </a:fillRef>
+            <a:effectRef idx="0">
+              <a:schemeClr val="accent1"/>
+            </a:effectRef>
+            <a:fontRef idx="minor">
+              <a:schemeClr val="lt1"/>
+            </a:fontRef>
+          </p:style>
+          <p:txBody>
+            <a:bodyPr rtlCol="0" anchor="ctr"/>
+            <a:lstStyle/>
+            <a:p>
+              <a:pPr algn="ctr"/>
+              <a:endParaRPr lang="zh-CN" altLang="en-US"/>
+            </a:p>
+          </p:txBody>
+        </p:sp>
+      </p:grpSp>
+      <p:grpSp>
+        <p:nvGrpSpPr>
+          <p:cNvPr id="16" name="组合 15"/>
+          <p:cNvGrpSpPr/>
+          <p:nvPr/>
+        </p:nvGrpSpPr>
+        <p:grpSpPr>
+          <a:xfrm>
+            <a:off x="5938098" y="356018"/>
+            <a:ext cx="1296144" cy="1296144"/>
+            <a:chOff x="989965" y="1741458"/>
+            <a:chExt cx="1296144" cy="1296144"/>
+          </a:xfrm>
+        </p:grpSpPr>
+        <p:sp>
+          <p:nvSpPr>
+            <p:cNvPr id="17" name="文本框 16"/>
+            <p:cNvSpPr txBox="1"/>
+            <p:nvPr/>
+          </p:nvSpPr>
+          <p:spPr>
+            <a:xfrm>
+              <a:off x="1199456" y="2204864"/>
+              <a:ext cx="877163" cy="369332"/>
+            </a:xfrm>
+            <a:prstGeom prst="rect">
+              <a:avLst/>
+            </a:prstGeom>
+            <a:noFill/>
+          </p:spPr>
+          <p:txBody>
+            <a:bodyPr wrap="none" rtlCol="0">
+              <a:spAutoFit/>
+            </a:bodyPr>
+            <a:lstStyle/>
+            <a:p>
+              <a:r>
+                <a:rPr lang="zh-CN" altLang="en-US" dirty="0" smtClean="0"/>
+                <a:t>呼吸感</a:t>
+              </a:r>
+              <a:endParaRPr lang="zh-CN" altLang="en-US" dirty="0"/>
+            </a:p>
+          </p:txBody>
+        </p:sp>
+        <p:sp>
+          <p:nvSpPr>
+            <p:cNvPr id="18" name="椭圆 17"/>
+            <p:cNvSpPr/>
+            <p:nvPr/>
+          </p:nvSpPr>
+          <p:spPr>
+            <a:xfrm>
+              <a:off x="989965" y="1741458"/>
+              <a:ext cx="1296144" cy="1296144"/>
+            </a:xfrm>
+            <a:prstGeom prst="ellipse">
+              <a:avLst/>
+            </a:prstGeom>
+            <a:noFill/>
+            <a:ln>
+              <a:solidFill>
+                <a:schemeClr val="tx2">
+                  <a:lumMod val="50000"/>
+                </a:schemeClr>
+              </a:solidFill>
+            </a:ln>
+          </p:spPr>
+          <p:style>
+            <a:lnRef idx="2">
+              <a:schemeClr val="accent1">
+                <a:shade val="50000"/>
+              </a:schemeClr>
+            </a:lnRef>
+            <a:fillRef idx="1">
+              <a:schemeClr val="accent1"/>
+            </a:fillRef>
+            <a:effectRef idx="0">
+              <a:schemeClr val="accent1"/>
+            </a:effectRef>
+            <a:fontRef idx="minor">
+              <a:schemeClr val="lt1"/>
+            </a:fontRef>
+          </p:style>
+          <p:txBody>
+            <a:bodyPr rtlCol="0" anchor="ctr"/>
+            <a:lstStyle/>
+            <a:p>
+              <a:pPr algn="ctr"/>
+              <a:endParaRPr lang="zh-CN" altLang="en-US"/>
+            </a:p>
+          </p:txBody>
+        </p:sp>
+      </p:grpSp>
     </p:spTree>
     <p:extLst>
       <p:ext uri="{BB962C8B-B14F-4D97-AF65-F5344CB8AC3E}">
@@ -11954,7 +12995,7 @@
         <a:sysClr val="windowText" lastClr="000000"/>
       </a:dk1>
       <a:lt1>
-        <a:sysClr val="window" lastClr="CCE8CF"/>
+        <a:sysClr val="window" lastClr="FFFFFF"/>
       </a:lt1>
       <a:dk2>
         <a:srgbClr val="1F497D"/>
@@ -12237,7 +13278,7 @@
         <a:sysClr val="windowText" lastClr="000000"/>
       </a:dk1>
       <a:lt1>
-        <a:sysClr val="window" lastClr="CCE8CF"/>
+        <a:sysClr val="window" lastClr="FFFFFF"/>
       </a:lt1>
       <a:dk2>
         <a:srgbClr val="44546A"/>
